--- a/SwiftPresentation.pptx
+++ b/SwiftPresentation.pptx
@@ -9,6 +9,8 @@
     <p:sldId id="258" r:id="rId3"/>
     <p:sldId id="257" r:id="rId4"/>
     <p:sldId id="259" r:id="rId5"/>
+    <p:sldId id="261" r:id="rId6"/>
+    <p:sldId id="260" r:id="rId7"/>
   </p:sldIdLst>
   <p:sldSz cx="12192000" cy="6858000"/>
   <p:notesSz cx="6858000" cy="9144000"/>
@@ -107,6 +109,11 @@
       </a:defRPr>
     </a:lvl9pPr>
   </p:defaultTextStyle>
+  <p:extLst>
+    <p:ext uri="{EFAFB233-063F-42B5-8137-9DF3F51BA10A}">
+      <p15:sldGuideLst xmlns:p15="http://schemas.microsoft.com/office/powerpoint/2012/main"/>
+    </p:ext>
+  </p:extLst>
 </p:presentation>
 </file>
 
@@ -6722,6 +6729,347 @@
 </p:sld>
 </file>
 
+<file path=ppt/slides/slide5.xml><?xml version="1.0" encoding="utf-8"?>
+<p:sld xmlns:a="http://schemas.openxmlformats.org/drawingml/2006/main" xmlns:r="http://schemas.openxmlformats.org/officeDocument/2006/relationships" xmlns:p="http://schemas.openxmlformats.org/presentationml/2006/main">
+  <p:cSld>
+    <p:spTree>
+      <p:nvGrpSpPr>
+        <p:cNvPr id="1" name=""/>
+        <p:cNvGrpSpPr/>
+        <p:nvPr/>
+      </p:nvGrpSpPr>
+      <p:grpSpPr>
+        <a:xfrm>
+          <a:off x="0" y="0"/>
+          <a:ext cx="0" cy="0"/>
+          <a:chOff x="0" y="0"/>
+          <a:chExt cx="0" cy="0"/>
+        </a:xfrm>
+      </p:grpSpPr>
+      <p:sp>
+        <p:nvSpPr>
+          <p:cNvPr id="2" name="Title 1"/>
+          <p:cNvSpPr>
+            <a:spLocks noGrp="1"/>
+          </p:cNvSpPr>
+          <p:nvPr>
+            <p:ph type="title"/>
+          </p:nvPr>
+        </p:nvSpPr>
+        <p:spPr/>
+        <p:txBody>
+          <a:bodyPr/>
+          <a:lstStyle/>
+          <a:p>
+            <a:r>
+              <a:rPr lang="en-US" dirty="0" smtClean="0"/>
+              <a:t>Why Swift?</a:t>
+            </a:r>
+            <a:endParaRPr lang="en-US" dirty="0"/>
+          </a:p>
+        </p:txBody>
+      </p:sp>
+      <p:sp>
+        <p:nvSpPr>
+          <p:cNvPr id="3" name="Content Placeholder 2"/>
+          <p:cNvSpPr>
+            <a:spLocks noGrp="1"/>
+          </p:cNvSpPr>
+          <p:nvPr>
+            <p:ph idx="1"/>
+          </p:nvPr>
+        </p:nvSpPr>
+        <p:spPr>
+          <a:xfrm>
+            <a:off x="781050" y="1314450"/>
+            <a:ext cx="9268803" cy="4933949"/>
+          </a:xfrm>
+        </p:spPr>
+        <p:txBody>
+          <a:bodyPr>
+            <a:normAutofit lnSpcReduction="10000"/>
+          </a:bodyPr>
+          <a:lstStyle/>
+          <a:p>
+            <a:pPr lvl="1"/>
+            <a:r>
+              <a:rPr lang="en-US" sz="1600" dirty="0" smtClean="0"/>
+              <a:t>One language to work across all Apple platforms and interoperable with all Apple frameworks. And Swift is free, its open-source with strong back-up from Apple.   Apple provides complete toolchain </a:t>
+            </a:r>
+            <a:r>
+              <a:rPr lang="en-US" sz="1600" dirty="0" smtClean="0"/>
+              <a:t>with IDE for free.</a:t>
+            </a:r>
+            <a:r>
+              <a:rPr lang="en-US" sz="1600" dirty="0" smtClean="0"/>
+              <a:t> </a:t>
+            </a:r>
+          </a:p>
+          <a:p>
+            <a:pPr lvl="1"/>
+            <a:r>
+              <a:rPr lang="en-US" sz="1600" dirty="0" smtClean="0"/>
+              <a:t>Easier to learn, teach and develop</a:t>
+            </a:r>
+          </a:p>
+          <a:p>
+            <a:pPr lvl="2"/>
+            <a:r>
+              <a:rPr lang="en-US" sz="1400" dirty="0" smtClean="0"/>
+              <a:t>One of the main design objective of Swift </a:t>
+            </a:r>
+            <a:r>
+              <a:rPr lang="en-US" sz="1400" dirty="0" smtClean="0"/>
+              <a:t>was </a:t>
+            </a:r>
+            <a:r>
+              <a:rPr lang="en-US" sz="1400" dirty="0" smtClean="0"/>
+              <a:t>to remove the complexity.</a:t>
+            </a:r>
+          </a:p>
+          <a:p>
+            <a:pPr lvl="2"/>
+            <a:r>
+              <a:rPr lang="en-US" sz="1400" dirty="0" smtClean="0"/>
+              <a:t>Picked the main features used by the most popular languages.</a:t>
+            </a:r>
+            <a:endParaRPr lang="en-US" sz="1400" dirty="0" smtClean="0"/>
+          </a:p>
+          <a:p>
+            <a:pPr lvl="1"/>
+            <a:r>
+              <a:rPr lang="en-US" sz="1600" dirty="0" smtClean="0"/>
+              <a:t>Inspired by and includes </a:t>
+            </a:r>
+            <a:r>
+              <a:rPr lang="en-US" sz="1600" dirty="0" smtClean="0"/>
+              <a:t>lots of good features from other popular languages, some interesting Swift features are mentioned below</a:t>
+            </a:r>
+          </a:p>
+          <a:p>
+            <a:pPr lvl="2"/>
+            <a:r>
+              <a:rPr lang="en-US" sz="1400" dirty="0" smtClean="0"/>
+              <a:t>Generics – Like templates in C++, Java</a:t>
+            </a:r>
+          </a:p>
+          <a:p>
+            <a:pPr lvl="3"/>
+            <a:r>
+              <a:rPr lang="en-US" sz="1200" dirty="0" smtClean="0"/>
+              <a:t>E.g. - </a:t>
+            </a:r>
+            <a:r>
+              <a:rPr lang="fr-FR" sz="1200" dirty="0" err="1"/>
+              <a:t>func</a:t>
+            </a:r>
+            <a:r>
+              <a:rPr lang="fr-FR" sz="1200" dirty="0"/>
+              <a:t> </a:t>
+            </a:r>
+            <a:r>
+              <a:rPr lang="fr-FR" sz="1200" dirty="0" err="1"/>
+              <a:t>swapTwoValues</a:t>
+            </a:r>
+            <a:r>
+              <a:rPr lang="fr-FR" sz="1200" dirty="0"/>
+              <a:t>&lt;T&gt;(</a:t>
+            </a:r>
+            <a:r>
+              <a:rPr lang="fr-FR" sz="1200" dirty="0" err="1"/>
+              <a:t>inout</a:t>
+            </a:r>
+            <a:r>
+              <a:rPr lang="fr-FR" sz="1200" dirty="0"/>
+              <a:t> a: T, </a:t>
+            </a:r>
+            <a:r>
+              <a:rPr lang="fr-FR" sz="1200" dirty="0" err="1"/>
+              <a:t>inout</a:t>
+            </a:r>
+            <a:r>
+              <a:rPr lang="fr-FR" sz="1200" dirty="0"/>
+              <a:t> _ b: T)</a:t>
+            </a:r>
+            <a:endParaRPr lang="en-US" sz="1200" dirty="0" smtClean="0"/>
+          </a:p>
+          <a:p>
+            <a:pPr lvl="2"/>
+            <a:r>
+              <a:rPr lang="en-US" sz="1400" dirty="0" smtClean="0"/>
+              <a:t>New data types( E.g. Dictionaries ) and Inferred Data types.</a:t>
+            </a:r>
+          </a:p>
+          <a:p>
+            <a:pPr lvl="2"/>
+            <a:r>
+              <a:rPr lang="en-US" sz="1400" dirty="0" smtClean="0"/>
+              <a:t>Protocols – Interfaces in Java</a:t>
+            </a:r>
+          </a:p>
+          <a:p>
+            <a:pPr lvl="2"/>
+            <a:r>
+              <a:rPr lang="en-US" sz="1400" dirty="0" smtClean="0"/>
+              <a:t>Closures – Like JavaScript</a:t>
+            </a:r>
+          </a:p>
+          <a:p>
+            <a:pPr lvl="2"/>
+            <a:r>
+              <a:rPr lang="en-US" sz="1400" dirty="0" smtClean="0"/>
+              <a:t>Anonymous functions – Like in C#/JavaScript</a:t>
+            </a:r>
+          </a:p>
+          <a:p>
+            <a:pPr lvl="2"/>
+            <a:r>
+              <a:rPr lang="en-US" sz="1400" dirty="0"/>
+              <a:t>Optional semicolon </a:t>
+            </a:r>
+            <a:r>
+              <a:rPr lang="en-US" sz="1400" dirty="0" smtClean="0"/>
+              <a:t>for easy code writing</a:t>
+            </a:r>
+          </a:p>
+          <a:p>
+            <a:pPr lvl="2"/>
+            <a:r>
+              <a:rPr lang="en-US" sz="1400" dirty="0" smtClean="0"/>
+              <a:t>Advance Memory Management(ARC) and Error handling(throw, catch)</a:t>
+            </a:r>
+          </a:p>
+          <a:p>
+            <a:pPr lvl="2"/>
+            <a:endParaRPr lang="en-US" sz="1400" dirty="0"/>
+          </a:p>
+          <a:p>
+            <a:pPr lvl="2"/>
+            <a:endParaRPr lang="en-US" dirty="0" smtClean="0"/>
+          </a:p>
+          <a:p>
+            <a:pPr lvl="2"/>
+            <a:endParaRPr lang="en-US" dirty="0" smtClean="0"/>
+          </a:p>
+          <a:p>
+            <a:pPr lvl="2"/>
+            <a:endParaRPr lang="en-US" dirty="0" smtClean="0"/>
+          </a:p>
+          <a:p>
+            <a:pPr lvl="2"/>
+            <a:endParaRPr lang="en-US" dirty="0" smtClean="0"/>
+          </a:p>
+          <a:p>
+            <a:pPr lvl="2"/>
+            <a:endParaRPr lang="en-US" dirty="0" smtClean="0"/>
+          </a:p>
+          <a:p>
+            <a:pPr lvl="2"/>
+            <a:endParaRPr lang="en-US" dirty="0" smtClean="0"/>
+          </a:p>
+          <a:p>
+            <a:pPr lvl="2"/>
+            <a:endParaRPr lang="en-US" dirty="0" smtClean="0"/>
+          </a:p>
+        </p:txBody>
+      </p:sp>
+    </p:spTree>
+    <p:extLst>
+      <p:ext uri="{BB962C8B-B14F-4D97-AF65-F5344CB8AC3E}">
+        <p14:creationId xmlns:p14="http://schemas.microsoft.com/office/powerpoint/2010/main" val="1322220211"/>
+      </p:ext>
+    </p:extLst>
+  </p:cSld>
+  <p:clrMapOvr>
+    <a:masterClrMapping/>
+  </p:clrMapOvr>
+</p:sld>
+</file>
+
+<file path=ppt/slides/slide6.xml><?xml version="1.0" encoding="utf-8"?>
+<p:sld xmlns:a="http://schemas.openxmlformats.org/drawingml/2006/main" xmlns:r="http://schemas.openxmlformats.org/officeDocument/2006/relationships" xmlns:p="http://schemas.openxmlformats.org/presentationml/2006/main">
+  <p:cSld>
+    <p:spTree>
+      <p:nvGrpSpPr>
+        <p:cNvPr id="1" name=""/>
+        <p:cNvGrpSpPr/>
+        <p:nvPr/>
+      </p:nvGrpSpPr>
+      <p:grpSpPr>
+        <a:xfrm>
+          <a:off x="0" y="0"/>
+          <a:ext cx="0" cy="0"/>
+          <a:chOff x="0" y="0"/>
+          <a:chExt cx="0" cy="0"/>
+        </a:xfrm>
+      </p:grpSpPr>
+      <p:sp>
+        <p:nvSpPr>
+          <p:cNvPr id="2" name="Title 1"/>
+          <p:cNvSpPr>
+            <a:spLocks noGrp="1"/>
+          </p:cNvSpPr>
+          <p:nvPr>
+            <p:ph type="title"/>
+          </p:nvPr>
+        </p:nvSpPr>
+        <p:spPr/>
+        <p:txBody>
+          <a:bodyPr/>
+          <a:lstStyle/>
+          <a:p>
+            <a:r>
+              <a:rPr lang="en-US" dirty="0" smtClean="0"/>
+              <a:t>Swift vs. </a:t>
+            </a:r>
+            <a:r>
+              <a:rPr lang="en-US" dirty="0" smtClean="0"/>
+              <a:t>Objective-C</a:t>
+            </a:r>
+            <a:endParaRPr lang="en-US" dirty="0"/>
+          </a:p>
+        </p:txBody>
+      </p:sp>
+      <p:sp>
+        <p:nvSpPr>
+          <p:cNvPr id="3" name="Content Placeholder 2"/>
+          <p:cNvSpPr>
+            <a:spLocks noGrp="1"/>
+          </p:cNvSpPr>
+          <p:nvPr>
+            <p:ph idx="1"/>
+          </p:nvPr>
+        </p:nvSpPr>
+        <p:spPr>
+          <a:xfrm>
+            <a:off x="781050" y="1314450"/>
+            <a:ext cx="9268803" cy="4933949"/>
+          </a:xfrm>
+        </p:spPr>
+        <p:txBody>
+          <a:bodyPr>
+            <a:normAutofit/>
+          </a:bodyPr>
+          <a:lstStyle/>
+          <a:p>
+            <a:pPr lvl="1"/>
+            <a:endParaRPr lang="en-US" dirty="0" smtClean="0"/>
+          </a:p>
+        </p:txBody>
+      </p:sp>
+    </p:spTree>
+    <p:extLst>
+      <p:ext uri="{BB962C8B-B14F-4D97-AF65-F5344CB8AC3E}">
+        <p14:creationId xmlns:p14="http://schemas.microsoft.com/office/powerpoint/2010/main" val="2145981111"/>
+      </p:ext>
+    </p:extLst>
+  </p:cSld>
+  <p:clrMapOvr>
+    <a:masterClrMapping/>
+  </p:clrMapOvr>
+</p:sld>
+</file>
+
 <file path=ppt/theme/theme1.xml><?xml version="1.0" encoding="utf-8"?>
 <a:theme xmlns:a="http://schemas.openxmlformats.org/drawingml/2006/main" name="Ion">
   <a:themeElements>

--- a/SwiftPresentation.pptx
+++ b/SwiftPresentation.pptx
@@ -7030,33 +7030,550 @@
           </a:p>
         </p:txBody>
       </p:sp>
-      <p:sp>
-        <p:nvSpPr>
-          <p:cNvPr id="3" name="Content Placeholder 2"/>
-          <p:cNvSpPr>
-            <a:spLocks noGrp="1"/>
-          </p:cNvSpPr>
+      <p:graphicFrame>
+        <p:nvGraphicFramePr>
+          <p:cNvPr id="6" name="Content Placeholder 5"/>
+          <p:cNvGraphicFramePr>
+            <a:graphicFrameLocks noGrp="1"/>
+          </p:cNvGraphicFramePr>
           <p:nvPr>
             <p:ph idx="1"/>
-          </p:nvPr>
-        </p:nvSpPr>
-        <p:spPr>
-          <a:xfrm>
-            <a:off x="781050" y="1314450"/>
-            <a:ext cx="9268803" cy="4933949"/>
-          </a:xfrm>
-        </p:spPr>
-        <p:txBody>
-          <a:bodyPr>
-            <a:normAutofit/>
-          </a:bodyPr>
-          <a:lstStyle/>
-          <a:p>
-            <a:pPr lvl="1"/>
-            <a:endParaRPr lang="en-US" dirty="0" smtClean="0"/>
-          </a:p>
-        </p:txBody>
-      </p:sp>
+            <p:extLst>
+              <p:ext uri="{D42A27DB-BD31-4B8C-83A1-F6EECF244321}">
+                <p14:modId xmlns:p14="http://schemas.microsoft.com/office/powerpoint/2010/main" val="3648021100"/>
+              </p:ext>
+            </p:extLst>
+          </p:nvPr>
+        </p:nvGraphicFramePr>
+        <p:xfrm>
+          <a:off x="760413" y="1223963"/>
+          <a:ext cx="8947149" cy="6329997"/>
+        </p:xfrm>
+        <a:graphic>
+          <a:graphicData uri="http://schemas.openxmlformats.org/drawingml/2006/table">
+            <a:tbl>
+              <a:tblPr firstRow="1" bandRow="1">
+                <a:tableStyleId>{5C22544A-7EE6-4342-B048-85BDC9FD1C3A}</a:tableStyleId>
+              </a:tblPr>
+              <a:tblGrid>
+                <a:gridCol w="2982383"/>
+                <a:gridCol w="2982383"/>
+                <a:gridCol w="2982383"/>
+              </a:tblGrid>
+              <a:tr h="528637">
+                <a:tc>
+                  <a:txBody>
+                    <a:bodyPr/>
+                    <a:lstStyle/>
+                    <a:p>
+                      <a:r>
+                        <a:rPr lang="en-US" sz="1400" dirty="0" smtClean="0"/>
+                        <a:t>Fact/Feature</a:t>
+                      </a:r>
+                      <a:endParaRPr lang="en-US" sz="1400" dirty="0"/>
+                    </a:p>
+                  </a:txBody>
+                  <a:tcPr/>
+                </a:tc>
+                <a:tc>
+                  <a:txBody>
+                    <a:bodyPr/>
+                    <a:lstStyle/>
+                    <a:p>
+                      <a:r>
+                        <a:rPr lang="en-US" sz="1400" dirty="0" smtClean="0"/>
+                        <a:t>Objective-C</a:t>
+                      </a:r>
+                      <a:endParaRPr lang="en-US" sz="1400" dirty="0"/>
+                    </a:p>
+                  </a:txBody>
+                  <a:tcPr/>
+                </a:tc>
+                <a:tc>
+                  <a:txBody>
+                    <a:bodyPr/>
+                    <a:lstStyle/>
+                    <a:p>
+                      <a:r>
+                        <a:rPr lang="en-US" sz="1400" dirty="0" smtClean="0"/>
+                        <a:t>Swift</a:t>
+                      </a:r>
+                      <a:endParaRPr lang="en-US" sz="1400" dirty="0"/>
+                    </a:p>
+                  </a:txBody>
+                  <a:tcPr/>
+                </a:tc>
+              </a:tr>
+              <a:tr h="370840">
+                <a:tc>
+                  <a:txBody>
+                    <a:bodyPr/>
+                    <a:lstStyle/>
+                    <a:p>
+                      <a:r>
+                        <a:rPr lang="en-US" sz="1400" dirty="0" smtClean="0"/>
+                        <a:t>Language</a:t>
+                      </a:r>
+                      <a:r>
+                        <a:rPr lang="en-US" sz="1400" baseline="0" dirty="0" smtClean="0"/>
+                        <a:t> Design</a:t>
+                      </a:r>
+                      <a:endParaRPr lang="en-US" sz="1400" dirty="0"/>
+                    </a:p>
+                  </a:txBody>
+                  <a:tcPr/>
+                </a:tc>
+                <a:tc>
+                  <a:txBody>
+                    <a:bodyPr/>
+                    <a:lstStyle/>
+                    <a:p>
+                      <a:r>
+                        <a:rPr lang="en-US" sz="1400" dirty="0" smtClean="0"/>
+                        <a:t>Built</a:t>
+                      </a:r>
+                      <a:r>
+                        <a:rPr lang="en-US" sz="1400" baseline="0" dirty="0" smtClean="0"/>
+                        <a:t> on C/Superset of C.</a:t>
+                      </a:r>
+                    </a:p>
+                    <a:p>
+                      <a:r>
+                        <a:rPr lang="en-US" sz="1400" baseline="0" dirty="0" smtClean="0"/>
+                        <a:t>Lots of ugly syntax with “@” to denote Objective-C objects/functions ( E.g. </a:t>
+                      </a:r>
+                      <a:r>
+                        <a:rPr lang="en-US" sz="1400" kern="1200" dirty="0" smtClean="0">
+                          <a:solidFill>
+                            <a:schemeClr val="dk1"/>
+                          </a:solidFill>
+                          <a:effectLst/>
+                          <a:latin typeface="+mn-lt"/>
+                          <a:ea typeface="+mn-ea"/>
+                          <a:cs typeface="+mn-cs"/>
+                        </a:rPr>
+                        <a:t>@interface,</a:t>
+                      </a:r>
+                      <a:r>
+                        <a:rPr lang="en-US" sz="1400" kern="1200" baseline="0" dirty="0" smtClean="0">
+                          <a:solidFill>
+                            <a:schemeClr val="dk1"/>
+                          </a:solidFill>
+                          <a:effectLst/>
+                          <a:latin typeface="+mn-lt"/>
+                          <a:ea typeface="+mn-ea"/>
+                          <a:cs typeface="+mn-cs"/>
+                        </a:rPr>
+                        <a:t> @property</a:t>
+                      </a:r>
+                      <a:r>
+                        <a:rPr lang="en-US" sz="1400" baseline="0" dirty="0" smtClean="0"/>
+                        <a:t>.</a:t>
+                      </a:r>
+                      <a:endParaRPr lang="en-US" sz="1400" dirty="0"/>
+                    </a:p>
+                  </a:txBody>
+                  <a:tcPr/>
+                </a:tc>
+                <a:tc>
+                  <a:txBody>
+                    <a:bodyPr/>
+                    <a:lstStyle/>
+                    <a:p>
+                      <a:r>
+                        <a:rPr lang="en-US" sz="1400" dirty="0" smtClean="0"/>
+                        <a:t>Modern</a:t>
+                      </a:r>
+                      <a:r>
+                        <a:rPr lang="en-US" sz="1400" baseline="0" dirty="0" smtClean="0"/>
+                        <a:t> language designed from scratch. Inherited cues from many modern languages – Java, C#, Python etc.</a:t>
+                      </a:r>
+                      <a:endParaRPr lang="en-US" sz="1400" dirty="0"/>
+                    </a:p>
+                  </a:txBody>
+                  <a:tcPr/>
+                </a:tc>
+              </a:tr>
+              <a:tr h="370840">
+                <a:tc>
+                  <a:txBody>
+                    <a:bodyPr/>
+                    <a:lstStyle/>
+                    <a:p>
+                      <a:r>
+                        <a:rPr lang="en-US" sz="1400" dirty="0" smtClean="0"/>
+                        <a:t>Code Maintainability</a:t>
+                      </a:r>
+                      <a:endParaRPr lang="en-US" sz="1400" dirty="0"/>
+                    </a:p>
+                  </a:txBody>
+                  <a:tcPr/>
+                </a:tc>
+                <a:tc>
+                  <a:txBody>
+                    <a:bodyPr/>
+                    <a:lstStyle/>
+                    <a:p>
+                      <a:r>
+                        <a:rPr lang="en-US" sz="1400" dirty="0" smtClean="0"/>
+                        <a:t>Separation</a:t>
+                      </a:r>
+                      <a:r>
+                        <a:rPr lang="en-US" sz="1400" baseline="0" dirty="0" smtClean="0"/>
+                        <a:t> of code using header file concept like in C.</a:t>
+                      </a:r>
+                      <a:endParaRPr lang="en-US" sz="1400" dirty="0"/>
+                    </a:p>
+                  </a:txBody>
+                  <a:tcPr/>
+                </a:tc>
+                <a:tc>
+                  <a:txBody>
+                    <a:bodyPr/>
+                    <a:lstStyle/>
+                    <a:p>
+                      <a:r>
+                        <a:rPr lang="en-US" sz="1400" dirty="0" smtClean="0"/>
+                        <a:t>Drops</a:t>
+                      </a:r>
+                      <a:r>
+                        <a:rPr lang="en-US" sz="1400" baseline="0" dirty="0" smtClean="0"/>
+                        <a:t> the separation based on heard files, better segregation of modules using namespace concept( with class keyword ).</a:t>
+                      </a:r>
+                      <a:endParaRPr lang="en-US" sz="1400" dirty="0"/>
+                    </a:p>
+                  </a:txBody>
+                  <a:tcPr/>
+                </a:tc>
+              </a:tr>
+              <a:tr h="370840">
+                <a:tc>
+                  <a:txBody>
+                    <a:bodyPr/>
+                    <a:lstStyle/>
+                    <a:p>
+                      <a:r>
+                        <a:rPr lang="en-US" sz="1400" dirty="0" smtClean="0"/>
+                        <a:t>Safety</a:t>
+                      </a:r>
+                      <a:endParaRPr lang="en-US" sz="1400" dirty="0"/>
+                    </a:p>
+                  </a:txBody>
+                  <a:tcPr/>
+                </a:tc>
+                <a:tc>
+                  <a:txBody>
+                    <a:bodyPr/>
+                    <a:lstStyle/>
+                    <a:p>
+                      <a:r>
+                        <a:rPr lang="en-US" sz="1400" dirty="0" smtClean="0"/>
+                        <a:t>Inappropriate NULL pointer handling, Using NULL pointers results in</a:t>
+                      </a:r>
+                      <a:r>
+                        <a:rPr lang="en-US" sz="1400" baseline="0" dirty="0" smtClean="0"/>
+                        <a:t> No-Op</a:t>
+                      </a:r>
+                      <a:r>
+                        <a:rPr lang="en-US" sz="1400" dirty="0" smtClean="0"/>
+                        <a:t>. </a:t>
+                      </a:r>
+                      <a:endParaRPr lang="en-US" sz="1400" dirty="0"/>
+                    </a:p>
+                  </a:txBody>
+                  <a:tcPr/>
+                </a:tc>
+                <a:tc>
+                  <a:txBody>
+                    <a:bodyPr/>
+                    <a:lstStyle/>
+                    <a:p>
+                      <a:r>
+                        <a:rPr lang="en-US" sz="1400" dirty="0" smtClean="0"/>
+                        <a:t>Can</a:t>
+                      </a:r>
+                      <a:r>
+                        <a:rPr lang="en-US" sz="1400" baseline="0" dirty="0" smtClean="0"/>
+                        <a:t> use </a:t>
+                      </a:r>
+                      <a:r>
+                        <a:rPr lang="en-US" sz="1400" baseline="0" dirty="0" err="1" smtClean="0"/>
+                        <a:t>OptionalType</a:t>
+                      </a:r>
+                      <a:r>
+                        <a:rPr lang="en-US" sz="1400" baseline="0" dirty="0" smtClean="0"/>
+                        <a:t> to trigger Runtime error when accessing </a:t>
+                      </a:r>
+                      <a:r>
+                        <a:rPr lang="en-US" sz="1400" baseline="0" smtClean="0"/>
+                        <a:t>NULL pointer.</a:t>
+                      </a:r>
+                      <a:endParaRPr lang="en-US" sz="1400" dirty="0"/>
+                    </a:p>
+                  </a:txBody>
+                  <a:tcPr/>
+                </a:tc>
+              </a:tr>
+              <a:tr h="370840">
+                <a:tc>
+                  <a:txBody>
+                    <a:bodyPr/>
+                    <a:lstStyle/>
+                    <a:p>
+                      <a:endParaRPr lang="en-US" sz="1400"/>
+                    </a:p>
+                  </a:txBody>
+                  <a:tcPr/>
+                </a:tc>
+                <a:tc>
+                  <a:txBody>
+                    <a:bodyPr/>
+                    <a:lstStyle/>
+                    <a:p>
+                      <a:endParaRPr lang="en-US" sz="1400"/>
+                    </a:p>
+                  </a:txBody>
+                  <a:tcPr/>
+                </a:tc>
+                <a:tc>
+                  <a:txBody>
+                    <a:bodyPr/>
+                    <a:lstStyle/>
+                    <a:p>
+                      <a:endParaRPr lang="en-US" sz="1400"/>
+                    </a:p>
+                  </a:txBody>
+                  <a:tcPr/>
+                </a:tc>
+              </a:tr>
+              <a:tr h="370840">
+                <a:tc>
+                  <a:txBody>
+                    <a:bodyPr/>
+                    <a:lstStyle/>
+                    <a:p>
+                      <a:endParaRPr lang="en-US" sz="1400"/>
+                    </a:p>
+                  </a:txBody>
+                  <a:tcPr/>
+                </a:tc>
+                <a:tc>
+                  <a:txBody>
+                    <a:bodyPr/>
+                    <a:lstStyle/>
+                    <a:p>
+                      <a:endParaRPr lang="en-US" sz="1400"/>
+                    </a:p>
+                  </a:txBody>
+                  <a:tcPr/>
+                </a:tc>
+                <a:tc>
+                  <a:txBody>
+                    <a:bodyPr/>
+                    <a:lstStyle/>
+                    <a:p>
+                      <a:endParaRPr lang="en-US" sz="1400"/>
+                    </a:p>
+                  </a:txBody>
+                  <a:tcPr/>
+                </a:tc>
+              </a:tr>
+              <a:tr h="370840">
+                <a:tc>
+                  <a:txBody>
+                    <a:bodyPr/>
+                    <a:lstStyle/>
+                    <a:p>
+                      <a:endParaRPr lang="en-US" sz="1400"/>
+                    </a:p>
+                  </a:txBody>
+                  <a:tcPr/>
+                </a:tc>
+                <a:tc>
+                  <a:txBody>
+                    <a:bodyPr/>
+                    <a:lstStyle/>
+                    <a:p>
+                      <a:endParaRPr lang="en-US" sz="1400"/>
+                    </a:p>
+                  </a:txBody>
+                  <a:tcPr/>
+                </a:tc>
+                <a:tc>
+                  <a:txBody>
+                    <a:bodyPr/>
+                    <a:lstStyle/>
+                    <a:p>
+                      <a:endParaRPr lang="en-US" sz="1400"/>
+                    </a:p>
+                  </a:txBody>
+                  <a:tcPr/>
+                </a:tc>
+              </a:tr>
+              <a:tr h="370840">
+                <a:tc>
+                  <a:txBody>
+                    <a:bodyPr/>
+                    <a:lstStyle/>
+                    <a:p>
+                      <a:endParaRPr lang="en-US" sz="1400"/>
+                    </a:p>
+                  </a:txBody>
+                  <a:tcPr/>
+                </a:tc>
+                <a:tc>
+                  <a:txBody>
+                    <a:bodyPr/>
+                    <a:lstStyle/>
+                    <a:p>
+                      <a:endParaRPr lang="en-US" sz="1400"/>
+                    </a:p>
+                  </a:txBody>
+                  <a:tcPr/>
+                </a:tc>
+                <a:tc>
+                  <a:txBody>
+                    <a:bodyPr/>
+                    <a:lstStyle/>
+                    <a:p>
+                      <a:endParaRPr lang="en-US" sz="1400"/>
+                    </a:p>
+                  </a:txBody>
+                  <a:tcPr/>
+                </a:tc>
+              </a:tr>
+              <a:tr h="370840">
+                <a:tc>
+                  <a:txBody>
+                    <a:bodyPr/>
+                    <a:lstStyle/>
+                    <a:p>
+                      <a:endParaRPr lang="en-US" sz="1400"/>
+                    </a:p>
+                  </a:txBody>
+                  <a:tcPr/>
+                </a:tc>
+                <a:tc>
+                  <a:txBody>
+                    <a:bodyPr/>
+                    <a:lstStyle/>
+                    <a:p>
+                      <a:endParaRPr lang="en-US" sz="1400"/>
+                    </a:p>
+                  </a:txBody>
+                  <a:tcPr/>
+                </a:tc>
+                <a:tc>
+                  <a:txBody>
+                    <a:bodyPr/>
+                    <a:lstStyle/>
+                    <a:p>
+                      <a:endParaRPr lang="en-US" sz="1400"/>
+                    </a:p>
+                  </a:txBody>
+                  <a:tcPr/>
+                </a:tc>
+              </a:tr>
+              <a:tr h="370840">
+                <a:tc>
+                  <a:txBody>
+                    <a:bodyPr/>
+                    <a:lstStyle/>
+                    <a:p>
+                      <a:endParaRPr lang="en-US" sz="1400"/>
+                    </a:p>
+                  </a:txBody>
+                  <a:tcPr/>
+                </a:tc>
+                <a:tc>
+                  <a:txBody>
+                    <a:bodyPr/>
+                    <a:lstStyle/>
+                    <a:p>
+                      <a:endParaRPr lang="en-US" sz="1400"/>
+                    </a:p>
+                  </a:txBody>
+                  <a:tcPr/>
+                </a:tc>
+                <a:tc>
+                  <a:txBody>
+                    <a:bodyPr/>
+                    <a:lstStyle/>
+                    <a:p>
+                      <a:endParaRPr lang="en-US" sz="1400"/>
+                    </a:p>
+                  </a:txBody>
+                  <a:tcPr/>
+                </a:tc>
+              </a:tr>
+              <a:tr h="370840">
+                <a:tc>
+                  <a:txBody>
+                    <a:bodyPr/>
+                    <a:lstStyle/>
+                    <a:p>
+                      <a:endParaRPr lang="en-US" sz="1400"/>
+                    </a:p>
+                  </a:txBody>
+                  <a:tcPr/>
+                </a:tc>
+                <a:tc>
+                  <a:txBody>
+                    <a:bodyPr/>
+                    <a:lstStyle/>
+                    <a:p>
+                      <a:endParaRPr lang="en-US" sz="1400"/>
+                    </a:p>
+                  </a:txBody>
+                  <a:tcPr/>
+                </a:tc>
+                <a:tc>
+                  <a:txBody>
+                    <a:bodyPr/>
+                    <a:lstStyle/>
+                    <a:p>
+                      <a:endParaRPr lang="en-US" sz="1400"/>
+                    </a:p>
+                  </a:txBody>
+                  <a:tcPr/>
+                </a:tc>
+              </a:tr>
+              <a:tr h="370840">
+                <a:tc>
+                  <a:txBody>
+                    <a:bodyPr/>
+                    <a:lstStyle/>
+                    <a:p>
+                      <a:endParaRPr lang="en-US" sz="1400"/>
+                    </a:p>
+                  </a:txBody>
+                  <a:tcPr/>
+                </a:tc>
+                <a:tc>
+                  <a:txBody>
+                    <a:bodyPr/>
+                    <a:lstStyle/>
+                    <a:p>
+                      <a:endParaRPr lang="en-US" sz="1400"/>
+                    </a:p>
+                  </a:txBody>
+                  <a:tcPr/>
+                </a:tc>
+                <a:tc>
+                  <a:txBody>
+                    <a:bodyPr/>
+                    <a:lstStyle/>
+                    <a:p>
+                      <a:endParaRPr lang="en-US" sz="1400" dirty="0"/>
+                    </a:p>
+                  </a:txBody>
+                  <a:tcPr/>
+                </a:tc>
+              </a:tr>
+            </a:tbl>
+          </a:graphicData>
+        </a:graphic>
+      </p:graphicFrame>
     </p:spTree>
     <p:extLst>
       <p:ext uri="{BB962C8B-B14F-4D97-AF65-F5344CB8AC3E}">

--- a/SwiftPresentation.pptx
+++ b/SwiftPresentation.pptx
@@ -6234,7 +6234,15 @@
             <a:pPr lvl="2"/>
             <a:r>
               <a:rPr lang="en-US" dirty="0" smtClean="0"/>
-              <a:t>Pure Functions ( Side Effects )</a:t>
+              <a:t>Pure Functions ( </a:t>
+            </a:r>
+            <a:r>
+              <a:rPr lang="en-US" dirty="0" smtClean="0"/>
+              <a:t>No Side </a:t>
+            </a:r>
+            <a:r>
+              <a:rPr lang="en-US" dirty="0" smtClean="0"/>
+              <a:t>Effects )</a:t>
             </a:r>
           </a:p>
           <a:p>
@@ -7040,14 +7048,14 @@
             <p:ph idx="1"/>
             <p:extLst>
               <p:ext uri="{D42A27DB-BD31-4B8C-83A1-F6EECF244321}">
-                <p14:modId xmlns:p14="http://schemas.microsoft.com/office/powerpoint/2010/main" val="3648021100"/>
+                <p14:modId xmlns:p14="http://schemas.microsoft.com/office/powerpoint/2010/main" val="2934463532"/>
               </p:ext>
             </p:extLst>
           </p:nvPr>
         </p:nvGraphicFramePr>
         <p:xfrm>
           <a:off x="760413" y="1223963"/>
-          <a:ext cx="8947149" cy="6329997"/>
+          <a:ext cx="8947149" cy="11826557"/>
         </p:xfrm>
         <a:graphic>
           <a:graphicData uri="http://schemas.openxmlformats.org/drawingml/2006/table">
@@ -7168,7 +7176,7 @@
                       </a:r>
                       <a:r>
                         <a:rPr lang="en-US" sz="1400" baseline="0" dirty="0" smtClean="0"/>
-                        <a:t>.</a:t>
+                        <a:t>. Very much Apple platforms centric.</a:t>
                       </a:r>
                       <a:endParaRPr lang="en-US" sz="1400" dirty="0"/>
                     </a:p>
@@ -7186,7 +7194,7 @@
                       </a:r>
                       <a:r>
                         <a:rPr lang="en-US" sz="1400" baseline="0" dirty="0" smtClean="0"/>
-                        <a:t> language designed from scratch. Inherited cues from many modern languages – Java, C#, Python etc.</a:t>
+                        <a:t> language designed from scratch. Inherited features from many modern languages – Java, C#, Python etc. Swift is designed to be platform agnostic which makes it possible to run on non-Apple systems in future.</a:t>
                       </a:r>
                       <a:endParaRPr lang="en-US" sz="1400" dirty="0"/>
                     </a:p>
@@ -7220,7 +7228,7 @@
                       </a:r>
                       <a:r>
                         <a:rPr lang="en-US" sz="1400" baseline="0" dirty="0" smtClean="0"/>
-                        <a:t> of code using header file concept like in C.</a:t>
+                        <a:t> of code using header file concept like in C. No namespace in Objective-C.</a:t>
                       </a:r>
                       <a:endParaRPr lang="en-US" sz="1400" dirty="0"/>
                     </a:p>
@@ -7238,7 +7246,15 @@
                       </a:r>
                       <a:r>
                         <a:rPr lang="en-US" sz="1400" baseline="0" dirty="0" smtClean="0"/>
-                        <a:t> the separation based on heard files, better segregation of modules using namespace concept( with class keyword ).</a:t>
+                        <a:t> the separation based </a:t>
+                      </a:r>
+                      <a:r>
+                        <a:rPr lang="en-US" sz="1400" baseline="0" smtClean="0"/>
+                        <a:t>on header </a:t>
+                      </a:r>
+                      <a:r>
+                        <a:rPr lang="en-US" sz="1400" baseline="0" dirty="0" smtClean="0"/>
+                        <a:t>files, better segregation of modules using namespace concept( with class keyword ).</a:t>
                       </a:r>
                       <a:endParaRPr lang="en-US" sz="1400" dirty="0"/>
                     </a:p>
@@ -7294,19 +7310,7 @@
                       </a:r>
                       <a:r>
                         <a:rPr lang="en-US" sz="1400" baseline="0" dirty="0" smtClean="0"/>
-                        <a:t> use </a:t>
-                      </a:r>
-                      <a:r>
-                        <a:rPr lang="en-US" sz="1400" baseline="0" dirty="0" err="1" smtClean="0"/>
-                        <a:t>OptionalType</a:t>
-                      </a:r>
-                      <a:r>
-                        <a:rPr lang="en-US" sz="1400" baseline="0" dirty="0" smtClean="0"/>
-                        <a:t> to trigger Runtime error when accessing </a:t>
-                      </a:r>
-                      <a:r>
-                        <a:rPr lang="en-US" sz="1400" baseline="0" smtClean="0"/>
-                        <a:t>NULL pointer.</a:t>
+                        <a:t> use Optional Type to trigger Runtime error when accessing NULL pointer.</a:t>
                       </a:r>
                       <a:endParaRPr lang="en-US" sz="1400" dirty="0"/>
                     </a:p>
@@ -7320,7 +7324,11 @@
                     <a:bodyPr/>
                     <a:lstStyle/>
                     <a:p>
-                      <a:endParaRPr lang="en-US" sz="1400"/>
+                      <a:r>
+                        <a:rPr lang="en-US" sz="1400" dirty="0" smtClean="0"/>
+                        <a:t>Memory Management</a:t>
+                      </a:r>
+                      <a:endParaRPr lang="en-US" sz="1400" dirty="0"/>
                     </a:p>
                   </a:txBody>
                   <a:tcPr/>
@@ -7330,7 +7338,15 @@
                     <a:bodyPr/>
                     <a:lstStyle/>
                     <a:p>
-                      <a:endParaRPr lang="en-US" sz="1400"/>
+                      <a:r>
+                        <a:rPr lang="en-US" sz="1400" dirty="0" smtClean="0"/>
+                        <a:t>Automatic</a:t>
+                      </a:r>
+                      <a:r>
+                        <a:rPr lang="en-US" sz="1400" baseline="0" dirty="0" smtClean="0"/>
+                        <a:t> memory management( using Automatic Reference Counting ) is not available across all frameworks, for example when using Graphics API from Objective-C the programmer should manually free the allocations. </a:t>
+                      </a:r>
+                      <a:endParaRPr lang="en-US" sz="1400" dirty="0"/>
                     </a:p>
                   </a:txBody>
                   <a:tcPr/>
@@ -7340,7 +7356,15 @@
                     <a:bodyPr/>
                     <a:lstStyle/>
                     <a:p>
-                      <a:endParaRPr lang="en-US" sz="1400"/>
+                      <a:r>
+                        <a:rPr lang="en-US" sz="1400" dirty="0" smtClean="0"/>
+                        <a:t>Support for ARC is integrated in Swift and is available across</a:t>
+                      </a:r>
+                      <a:r>
+                        <a:rPr lang="en-US" sz="1400" baseline="0" dirty="0" smtClean="0"/>
+                        <a:t> all frameworks. Further to that, ARC enhances the overall performance without having to run Garbage Collector as in Java, C# or Go.</a:t>
+                      </a:r>
+                      <a:endParaRPr lang="en-US" sz="1400" dirty="0"/>
                     </a:p>
                   </a:txBody>
                   <a:tcPr/>
@@ -7352,7 +7376,15 @@
                     <a:bodyPr/>
                     <a:lstStyle/>
                     <a:p>
-                      <a:endParaRPr lang="en-US" sz="1400"/>
+                      <a:r>
+                        <a:rPr lang="en-US" sz="1400" dirty="0" smtClean="0"/>
+                        <a:t>Developer</a:t>
+                      </a:r>
+                      <a:r>
+                        <a:rPr lang="en-US" sz="1400" baseline="0" dirty="0" smtClean="0"/>
+                        <a:t> Productivity</a:t>
+                      </a:r>
+                      <a:endParaRPr lang="en-US" sz="1400" dirty="0"/>
                     </a:p>
                   </a:txBody>
                   <a:tcPr/>
@@ -7362,7 +7394,15 @@
                     <a:bodyPr/>
                     <a:lstStyle/>
                     <a:p>
-                      <a:endParaRPr lang="en-US" sz="1400"/>
+                      <a:r>
+                        <a:rPr lang="en-US" sz="1400" dirty="0" smtClean="0"/>
+                        <a:t>Objective-C is more like C/C++</a:t>
+                      </a:r>
+                      <a:r>
+                        <a:rPr lang="en-US" sz="1400" baseline="0" dirty="0" smtClean="0"/>
+                        <a:t>. Every time the code is changed it requires recompilation in order to test.</a:t>
+                      </a:r>
+                      <a:endParaRPr lang="en-US" sz="1400" dirty="0"/>
                     </a:p>
                   </a:txBody>
                   <a:tcPr/>
@@ -7372,7 +7412,24 @@
                     <a:bodyPr/>
                     <a:lstStyle/>
                     <a:p>
-                      <a:endParaRPr lang="en-US" sz="1400"/>
+                      <a:r>
+                        <a:rPr lang="en-US" sz="1400" dirty="0" smtClean="0"/>
+                        <a:t>Swift</a:t>
+                      </a:r>
+                      <a:r>
+                        <a:rPr lang="en-US" sz="1400" baseline="0" dirty="0" smtClean="0"/>
+                        <a:t> adds a new feature called “Playground” to enhance developer productivity and integrated into language implementation. Using this feature code written is compiled and executed in real-time providing faster prototyping of algorithms and individual pieces of software.</a:t>
+                      </a:r>
+                    </a:p>
+                    <a:p>
+                      <a:endParaRPr lang="en-US" sz="1400" baseline="0" dirty="0" smtClean="0"/>
+                    </a:p>
+                    <a:p>
+                      <a:r>
+                        <a:rPr lang="en-US" sz="1400" baseline="0" dirty="0" smtClean="0"/>
+                        <a:t>E.g. https://swiftlang.ng.bluemix.net/ </a:t>
+                      </a:r>
+                      <a:endParaRPr lang="en-US" sz="1400" dirty="0"/>
                     </a:p>
                   </a:txBody>
                   <a:tcPr/>
@@ -7384,7 +7441,15 @@
                     <a:bodyPr/>
                     <a:lstStyle/>
                     <a:p>
-                      <a:endParaRPr lang="en-US" sz="1400"/>
+                      <a:r>
+                        <a:rPr lang="en-US" sz="1400" dirty="0" smtClean="0"/>
+                        <a:t>Data Structures and Return</a:t>
+                      </a:r>
+                      <a:r>
+                        <a:rPr lang="en-US" sz="1400" baseline="0" dirty="0" smtClean="0"/>
+                        <a:t> Types</a:t>
+                      </a:r>
+                      <a:endParaRPr lang="en-US" sz="1400" dirty="0"/>
                     </a:p>
                   </a:txBody>
                   <a:tcPr/>
@@ -7394,7 +7459,15 @@
                     <a:bodyPr/>
                     <a:lstStyle/>
                     <a:p>
-                      <a:endParaRPr lang="en-US" sz="1400"/>
+                      <a:r>
+                        <a:rPr lang="en-US" sz="1400" dirty="0" smtClean="0"/>
+                        <a:t>No support for Dictionaries or</a:t>
+                      </a:r>
+                      <a:r>
+                        <a:rPr lang="en-US" sz="1400" baseline="0" dirty="0" smtClean="0"/>
+                        <a:t> Multiple returns </a:t>
+                      </a:r>
+                      <a:endParaRPr lang="en-US" sz="1400" dirty="0"/>
                     </a:p>
                   </a:txBody>
                   <a:tcPr/>
@@ -7404,7 +7477,15 @@
                     <a:bodyPr/>
                     <a:lstStyle/>
                     <a:p>
-                      <a:endParaRPr lang="en-US" sz="1400"/>
+                      <a:r>
+                        <a:rPr lang="en-US" sz="1400" dirty="0" smtClean="0"/>
+                        <a:t>Adds Dictionaries,</a:t>
+                      </a:r>
+                      <a:r>
+                        <a:rPr lang="en-US" sz="1400" baseline="0" dirty="0" smtClean="0"/>
+                        <a:t> Tuples and functions can return Tuples.</a:t>
+                      </a:r>
+                      <a:endParaRPr lang="en-US" sz="1400" dirty="0"/>
                     </a:p>
                   </a:txBody>
                   <a:tcPr/>
@@ -7416,7 +7497,11 @@
                     <a:bodyPr/>
                     <a:lstStyle/>
                     <a:p>
-                      <a:endParaRPr lang="en-US" sz="1400"/>
+                      <a:r>
+                        <a:rPr lang="en-US" sz="1400" dirty="0" smtClean="0"/>
+                        <a:t>Programming Paradigms</a:t>
+                      </a:r>
+                      <a:endParaRPr lang="en-US" sz="1400" dirty="0"/>
                     </a:p>
                   </a:txBody>
                   <a:tcPr/>
@@ -7426,7 +7511,11 @@
                     <a:bodyPr/>
                     <a:lstStyle/>
                     <a:p>
-                      <a:endParaRPr lang="en-US" sz="1400"/>
+                      <a:r>
+                        <a:rPr lang="en-US" sz="1400" baseline="0" dirty="0" smtClean="0"/>
+                        <a:t>Modelled on Imperative Paradigm</a:t>
+                      </a:r>
+                      <a:endParaRPr lang="en-US" sz="1400" dirty="0"/>
                     </a:p>
                   </a:txBody>
                   <a:tcPr/>
@@ -7436,7 +7525,19 @@
                     <a:bodyPr/>
                     <a:lstStyle/>
                     <a:p>
-                      <a:endParaRPr lang="en-US" sz="1400"/>
+                      <a:r>
+                        <a:rPr lang="en-US" sz="1400" dirty="0" smtClean="0"/>
+                        <a:t>Swift has added many features to the language to support functional programming approach</a:t>
+                      </a:r>
+                      <a:r>
+                        <a:rPr lang="en-US" sz="1400" baseline="0" dirty="0" smtClean="0"/>
+                        <a:t> ( E.g. First-class functions, pure functions etc. )</a:t>
+                      </a:r>
+                      <a:r>
+                        <a:rPr lang="en-US" sz="1400" dirty="0" smtClean="0"/>
+                        <a:t>.</a:t>
+                      </a:r>
+                      <a:endParaRPr lang="en-US" sz="1400" dirty="0"/>
                     </a:p>
                   </a:txBody>
                   <a:tcPr/>
@@ -7448,7 +7549,7 @@
                     <a:bodyPr/>
                     <a:lstStyle/>
                     <a:p>
-                      <a:endParaRPr lang="en-US" sz="1400"/>
+                      <a:endParaRPr lang="en-US" sz="1400" dirty="0"/>
                     </a:p>
                   </a:txBody>
                   <a:tcPr/>

--- a/SwiftPresentation.pptx
+++ b/SwiftPresentation.pptx
@@ -7048,14 +7048,14 @@
             <p:ph idx="1"/>
             <p:extLst>
               <p:ext uri="{D42A27DB-BD31-4B8C-83A1-F6EECF244321}">
-                <p14:modId xmlns:p14="http://schemas.microsoft.com/office/powerpoint/2010/main" val="2934463532"/>
+                <p14:modId xmlns:p14="http://schemas.microsoft.com/office/powerpoint/2010/main" val="329420870"/>
               </p:ext>
             </p:extLst>
           </p:nvPr>
         </p:nvGraphicFramePr>
         <p:xfrm>
           <a:off x="760413" y="1223963"/>
-          <a:ext cx="8947149" cy="11826557"/>
+          <a:ext cx="8947149" cy="18622327"/>
         </p:xfrm>
         <a:graphic>
           <a:graphicData uri="http://schemas.openxmlformats.org/drawingml/2006/table">
@@ -7246,15 +7246,7 @@
                       </a:r>
                       <a:r>
                         <a:rPr lang="en-US" sz="1400" baseline="0" dirty="0" smtClean="0"/>
-                        <a:t> the separation based </a:t>
-                      </a:r>
-                      <a:r>
-                        <a:rPr lang="en-US" sz="1400" baseline="0" smtClean="0"/>
-                        <a:t>on header </a:t>
-                      </a:r>
-                      <a:r>
-                        <a:rPr lang="en-US" sz="1400" baseline="0" dirty="0" smtClean="0"/>
-                        <a:t>files, better segregation of modules using namespace concept( with class keyword ).</a:t>
+                        <a:t> the separation based on header files, better segregation of modules using namespace concept( with class keyword ).</a:t>
                       </a:r>
                       <a:endParaRPr lang="en-US" sz="1400" dirty="0"/>
                     </a:p>
@@ -7378,11 +7370,7 @@
                     <a:p>
                       <a:r>
                         <a:rPr lang="en-US" sz="1400" dirty="0" smtClean="0"/>
-                        <a:t>Developer</a:t>
-                      </a:r>
-                      <a:r>
-                        <a:rPr lang="en-US" sz="1400" baseline="0" dirty="0" smtClean="0"/>
-                        <a:t> Productivity</a:t>
+                        <a:t>Code structure for class declarations</a:t>
                       </a:r>
                       <a:endParaRPr lang="en-US" sz="1400" dirty="0"/>
                     </a:p>
@@ -7396,11 +7384,11 @@
                     <a:p>
                       <a:r>
                         <a:rPr lang="en-US" sz="1400" dirty="0" smtClean="0"/>
-                        <a:t>Objective-C is more like C/C++</a:t>
+                        <a:t>Objective-C requires</a:t>
                       </a:r>
                       <a:r>
                         <a:rPr lang="en-US" sz="1400" baseline="0" dirty="0" smtClean="0"/>
-                        <a:t>. Every time the code is changed it requires recompilation in order to test.</a:t>
+                        <a:t> separate interface and implementation declaration for each class. This results in code bloating and maintenance problems. </a:t>
                       </a:r>
                       <a:endParaRPr lang="en-US" sz="1400" dirty="0"/>
                     </a:p>
@@ -7418,16 +7406,7 @@
                       </a:r>
                       <a:r>
                         <a:rPr lang="en-US" sz="1400" baseline="0" dirty="0" smtClean="0"/>
-                        <a:t> adds a new feature called “Playground” to enhance developer productivity and integrated into language implementation. Using this feature code written is compiled and executed in real-time providing faster prototyping of algorithms and individual pieces of software.</a:t>
-                      </a:r>
-                    </a:p>
-                    <a:p>
-                      <a:endParaRPr lang="en-US" sz="1400" baseline="0" dirty="0" smtClean="0"/>
-                    </a:p>
-                    <a:p>
-                      <a:r>
-                        <a:rPr lang="en-US" sz="1400" baseline="0" dirty="0" smtClean="0"/>
-                        <a:t>E.g. https://swiftlang.ng.bluemix.net/ </a:t>
+                        <a:t> no longer requires separating interface from implementations and the code is much simpler and easy to read.</a:t>
                       </a:r>
                       <a:endParaRPr lang="en-US" sz="1400" dirty="0"/>
                     </a:p>
@@ -7459,14 +7438,42 @@
                     <a:bodyPr/>
                     <a:lstStyle/>
                     <a:p>
+                      <a:pPr marL="0" marR="0" indent="0" algn="l" defTabSz="457200" rtl="0" eaLnBrk="1" fontAlgn="auto" latinLnBrk="0" hangingPunct="1">
+                        <a:lnSpc>
+                          <a:spcPct val="100000"/>
+                        </a:lnSpc>
+                        <a:spcBef>
+                          <a:spcPts val="0"/>
+                        </a:spcBef>
+                        <a:spcAft>
+                          <a:spcPts val="0"/>
+                        </a:spcAft>
+                        <a:buClrTx/>
+                        <a:buSzTx/>
+                        <a:buFontTx/>
+                        <a:buNone/>
+                        <a:tabLst/>
+                        <a:defRPr/>
+                      </a:pPr>
                       <a:r>
                         <a:rPr lang="en-US" sz="1400" dirty="0" smtClean="0"/>
                         <a:t>No support for Dictionaries or</a:t>
                       </a:r>
                       <a:r>
                         <a:rPr lang="en-US" sz="1400" baseline="0" dirty="0" smtClean="0"/>
-                        <a:t> Multiple returns </a:t>
-                      </a:r>
+                        <a:t> Multiple returns. </a:t>
+                      </a:r>
+                      <a:r>
+                        <a:rPr lang="en-US" sz="1400" dirty="0" smtClean="0"/>
+                        <a:t>Objective-C</a:t>
+                      </a:r>
+                      <a:r>
+                        <a:rPr lang="en-US" sz="1400" baseline="0" dirty="0" smtClean="0"/>
+                        <a:t> enumeration are similar to C, the elements are integers.</a:t>
+                      </a:r>
+                      <a:endParaRPr lang="en-US" sz="1400" dirty="0" smtClean="0"/>
+                    </a:p>
+                    <a:p>
                       <a:endParaRPr lang="en-US" sz="1400" dirty="0"/>
                     </a:p>
                   </a:txBody>
@@ -7477,14 +7484,78 @@
                     <a:bodyPr/>
                     <a:lstStyle/>
                     <a:p>
+                      <a:pPr marL="0" marR="0" indent="0" algn="l" defTabSz="457200" rtl="0" eaLnBrk="1" fontAlgn="auto" latinLnBrk="0" hangingPunct="1">
+                        <a:lnSpc>
+                          <a:spcPct val="100000"/>
+                        </a:lnSpc>
+                        <a:spcBef>
+                          <a:spcPts val="0"/>
+                        </a:spcBef>
+                        <a:spcAft>
+                          <a:spcPts val="0"/>
+                        </a:spcAft>
+                        <a:buClrTx/>
+                        <a:buSzTx/>
+                        <a:buFontTx/>
+                        <a:buNone/>
+                        <a:tabLst/>
+                        <a:defRPr/>
+                      </a:pPr>
                       <a:r>
                         <a:rPr lang="en-US" sz="1400" dirty="0" smtClean="0"/>
                         <a:t>Adds Dictionaries,</a:t>
                       </a:r>
                       <a:r>
                         <a:rPr lang="en-US" sz="1400" baseline="0" dirty="0" smtClean="0"/>
-                        <a:t> Tuples and functions can return Tuples.</a:t>
-                      </a:r>
+                        <a:t> Tuples and functions can return Tuples. Swift also adds an improved version “</a:t>
+                      </a:r>
+                      <a:r>
+                        <a:rPr lang="en-US" sz="1400" baseline="0" dirty="0" err="1" smtClean="0"/>
+                        <a:t>enum</a:t>
+                      </a:r>
+                      <a:r>
+                        <a:rPr lang="en-US" sz="1400" baseline="0" dirty="0" smtClean="0"/>
+                        <a:t>” which can handle </a:t>
+                      </a:r>
+                      <a:r>
+                        <a:rPr lang="en-US" sz="1400" b="0" i="0" kern="1200" dirty="0" smtClean="0">
+                          <a:solidFill>
+                            <a:schemeClr val="dk1"/>
+                          </a:solidFill>
+                          <a:effectLst/>
+                          <a:latin typeface="+mn-lt"/>
+                          <a:ea typeface="+mn-ea"/>
+                          <a:cs typeface="+mn-cs"/>
+                        </a:rPr>
+                        <a:t>strings, chars, integer and floats</a:t>
+                      </a:r>
+                      <a:r>
+                        <a:rPr lang="en-US" sz="1400" b="0" i="0" kern="1200" baseline="0" dirty="0" smtClean="0">
+                          <a:solidFill>
+                            <a:schemeClr val="dk1"/>
+                          </a:solidFill>
+                          <a:effectLst/>
+                          <a:latin typeface="+mn-lt"/>
+                          <a:ea typeface="+mn-ea"/>
+                          <a:cs typeface="+mn-cs"/>
+                        </a:rPr>
+                        <a:t> as elements</a:t>
+                      </a:r>
+                      <a:r>
+                        <a:rPr lang="en-US" sz="1400" b="0" i="0" kern="1200" dirty="0" smtClean="0">
+                          <a:solidFill>
+                            <a:schemeClr val="dk1"/>
+                          </a:solidFill>
+                          <a:effectLst/>
+                          <a:latin typeface="+mn-lt"/>
+                          <a:ea typeface="+mn-ea"/>
+                          <a:cs typeface="+mn-cs"/>
+                        </a:rPr>
+                        <a:t>.</a:t>
+                      </a:r>
+                      <a:endParaRPr lang="en-US" sz="1400" dirty="0" smtClean="0"/>
+                    </a:p>
+                    <a:p>
                       <a:endParaRPr lang="en-US" sz="1400" dirty="0"/>
                     </a:p>
                   </a:txBody>
@@ -7549,6 +7620,10 @@
                     <a:bodyPr/>
                     <a:lstStyle/>
                     <a:p>
+                      <a:r>
+                        <a:rPr lang="en-US" sz="1400" dirty="0" smtClean="0"/>
+                        <a:t>Automatic Type Inference</a:t>
+                      </a:r>
                       <a:endParaRPr lang="en-US" sz="1400" dirty="0"/>
                     </a:p>
                   </a:txBody>
@@ -7559,7 +7634,39 @@
                     <a:bodyPr/>
                     <a:lstStyle/>
                     <a:p>
-                      <a:endParaRPr lang="en-US" sz="1400"/>
+                      <a:r>
+                        <a:rPr lang="en-US" sz="1400" dirty="0" smtClean="0"/>
+                        <a:t>In Objective-C every variable should have</a:t>
+                      </a:r>
+                      <a:r>
+                        <a:rPr lang="en-US" sz="1400" baseline="0" dirty="0" smtClean="0"/>
+                        <a:t> its type explicitly declared( E.g. </a:t>
+                      </a:r>
+                      <a:r>
+                        <a:rPr lang="en-US" sz="1400" baseline="0" dirty="0" err="1" smtClean="0"/>
+                        <a:t>NSString</a:t>
+                      </a:r>
+                      <a:r>
+                        <a:rPr lang="en-US" sz="1400" baseline="0" dirty="0" smtClean="0"/>
+                        <a:t> </a:t>
+                      </a:r>
+                      <a:r>
+                        <a:rPr lang="en-US" sz="1400" baseline="0" dirty="0" err="1" smtClean="0"/>
+                        <a:t>str</a:t>
+                      </a:r>
+                      <a:r>
+                        <a:rPr lang="en-US" sz="1400" baseline="0" dirty="0" smtClean="0"/>
+                        <a:t>=@“this is </a:t>
+                      </a:r>
+                      <a:r>
+                        <a:rPr lang="en-US" sz="1400" baseline="0" dirty="0" err="1" smtClean="0"/>
+                        <a:t>str</a:t>
+                      </a:r>
+                      <a:r>
+                        <a:rPr lang="en-US" sz="1400" baseline="0" dirty="0" smtClean="0"/>
+                        <a:t>”).</a:t>
+                      </a:r>
+                      <a:endParaRPr lang="en-US" sz="1400" dirty="0"/>
                     </a:p>
                   </a:txBody>
                   <a:tcPr/>
@@ -7569,7 +7676,127 @@
                     <a:bodyPr/>
                     <a:lstStyle/>
                     <a:p>
-                      <a:endParaRPr lang="en-US" sz="1400"/>
+                      <a:r>
+                        <a:rPr lang="en-US" sz="1400" dirty="0" smtClean="0"/>
+                        <a:t>Swift provides type </a:t>
+                      </a:r>
+                      <a:r>
+                        <a:rPr lang="en-US" sz="1400" dirty="0" err="1" smtClean="0"/>
+                        <a:t>inferencing</a:t>
+                      </a:r>
+                      <a:r>
+                        <a:rPr lang="en-US" sz="1400" dirty="0" smtClean="0"/>
+                        <a:t> whenever possible. For example you can sat </a:t>
+                      </a:r>
+                      <a:r>
+                        <a:rPr lang="en-US" sz="1400" dirty="0" err="1" smtClean="0"/>
+                        <a:t>var</a:t>
+                      </a:r>
+                      <a:r>
+                        <a:rPr lang="en-US" sz="1400" dirty="0" smtClean="0"/>
+                        <a:t> </a:t>
+                      </a:r>
+                      <a:r>
+                        <a:rPr lang="en-US" sz="1400" dirty="0" err="1" smtClean="0"/>
+                        <a:t>myStr</a:t>
+                      </a:r>
+                      <a:r>
+                        <a:rPr lang="en-US" sz="1400" dirty="0" smtClean="0"/>
+                        <a:t>=“this is </a:t>
+                      </a:r>
+                      <a:r>
+                        <a:rPr lang="en-US" sz="1400" dirty="0" err="1" smtClean="0"/>
+                        <a:t>str</a:t>
+                      </a:r>
+                      <a:r>
+                        <a:rPr lang="en-US" sz="1400" dirty="0" smtClean="0"/>
+                        <a:t>” and </a:t>
+                      </a:r>
+                      <a:r>
+                        <a:rPr lang="en-US" sz="1400" dirty="0" err="1" smtClean="0"/>
+                        <a:t>myStr</a:t>
+                      </a:r>
+                      <a:r>
+                        <a:rPr lang="en-US" sz="1400" dirty="0" smtClean="0"/>
+                        <a:t> is automatically</a:t>
+                      </a:r>
+                      <a:r>
+                        <a:rPr lang="en-US" sz="1400" baseline="0" dirty="0" smtClean="0"/>
+                        <a:t> </a:t>
+                      </a:r>
+                      <a:r>
+                        <a:rPr lang="en-US" sz="1400" dirty="0" err="1" smtClean="0"/>
+                        <a:t>yped</a:t>
+                      </a:r>
+                      <a:r>
+                        <a:rPr lang="en-US" sz="1400" dirty="0" smtClean="0"/>
+                        <a:t> to String type.</a:t>
+                      </a:r>
+                      <a:endParaRPr lang="en-US" sz="1400" dirty="0"/>
+                    </a:p>
+                  </a:txBody>
+                  <a:tcPr/>
+                </a:tc>
+              </a:tr>
+              <a:tr h="3524250">
+                <a:tc>
+                  <a:txBody>
+                    <a:bodyPr/>
+                    <a:lstStyle/>
+                    <a:p>
+                      <a:r>
+                        <a:rPr lang="en-US" sz="1400" dirty="0" smtClean="0"/>
+                        <a:t>Control Flow constructs</a:t>
+                      </a:r>
+                      <a:endParaRPr lang="en-US" sz="1400" dirty="0"/>
+                    </a:p>
+                  </a:txBody>
+                  <a:tcPr/>
+                </a:tc>
+                <a:tc>
+                  <a:txBody>
+                    <a:bodyPr/>
+                    <a:lstStyle/>
+                    <a:p>
+                      <a:r>
+                        <a:rPr lang="en-US" sz="1400" dirty="0" smtClean="0"/>
+                        <a:t>Objective-C control flow constructs</a:t>
+                      </a:r>
+                      <a:r>
+                        <a:rPr lang="en-US" sz="1400" baseline="0" dirty="0" smtClean="0"/>
+                        <a:t> are similar to C.</a:t>
+                      </a:r>
+                      <a:endParaRPr lang="en-US" sz="1400" dirty="0"/>
+                    </a:p>
+                  </a:txBody>
+                  <a:tcPr/>
+                </a:tc>
+                <a:tc>
+                  <a:txBody>
+                    <a:bodyPr/>
+                    <a:lstStyle/>
+                    <a:p>
+                      <a:r>
+                        <a:rPr lang="en-US" sz="1400" dirty="0" smtClean="0"/>
+                        <a:t>Swift provides a variety</a:t>
+                      </a:r>
+                      <a:r>
+                        <a:rPr lang="en-US" sz="1400" baseline="0" dirty="0" smtClean="0"/>
+                        <a:t> of control-flow constructs to simplify the code and to help avoid programmer errors. For example, “break” statement is no longer needed and if a fall through is required it can be explicitly mentioned. It adds a new “guard“ construct to create simple if-then-else constructs. “switch-case” construct is highly improved to </a:t>
+                      </a:r>
+                      <a:r>
+                        <a:rPr lang="en-US" sz="1400" b="0" i="0" kern="1200" dirty="0" smtClean="0">
+                          <a:solidFill>
+                            <a:schemeClr val="dk1"/>
+                          </a:solidFill>
+                          <a:effectLst/>
+                          <a:latin typeface="+mn-lt"/>
+                          <a:ea typeface="+mn-ea"/>
+                          <a:cs typeface="+mn-cs"/>
+                        </a:rPr>
+                        <a:t> match many different patterns, interval matches, tuples, and casts to a specific type.</a:t>
+                      </a:r>
+                      <a:endParaRPr lang="en-US" sz="1400" dirty="0"/>
                     </a:p>
                   </a:txBody>
                   <a:tcPr/>
@@ -7581,7 +7808,35 @@
                     <a:bodyPr/>
                     <a:lstStyle/>
                     <a:p>
-                      <a:endParaRPr lang="en-US" sz="1400"/>
+                      <a:pPr marL="0" marR="0" indent="0" algn="l" defTabSz="457200" rtl="0" eaLnBrk="1" fontAlgn="auto" latinLnBrk="0" hangingPunct="1">
+                        <a:lnSpc>
+                          <a:spcPct val="100000"/>
+                        </a:lnSpc>
+                        <a:spcBef>
+                          <a:spcPts val="0"/>
+                        </a:spcBef>
+                        <a:spcAft>
+                          <a:spcPts val="0"/>
+                        </a:spcAft>
+                        <a:buClrTx/>
+                        <a:buSzTx/>
+                        <a:buFontTx/>
+                        <a:buNone/>
+                        <a:tabLst/>
+                        <a:defRPr/>
+                      </a:pPr>
+                      <a:r>
+                        <a:rPr lang="en-US" sz="1400" dirty="0" smtClean="0"/>
+                        <a:t>Developer</a:t>
+                      </a:r>
+                      <a:r>
+                        <a:rPr lang="en-US" sz="1400" baseline="0" dirty="0" smtClean="0"/>
+                        <a:t> Productivity</a:t>
+                      </a:r>
+                      <a:endParaRPr lang="en-US" sz="1400" dirty="0" smtClean="0"/>
+                    </a:p>
+                    <a:p>
+                      <a:endParaRPr lang="en-US" sz="1400" dirty="0"/>
                     </a:p>
                   </a:txBody>
                   <a:tcPr/>
@@ -7591,7 +7846,35 @@
                     <a:bodyPr/>
                     <a:lstStyle/>
                     <a:p>
-                      <a:endParaRPr lang="en-US" sz="1400"/>
+                      <a:pPr marL="0" marR="0" indent="0" algn="l" defTabSz="457200" rtl="0" eaLnBrk="1" fontAlgn="auto" latinLnBrk="0" hangingPunct="1">
+                        <a:lnSpc>
+                          <a:spcPct val="100000"/>
+                        </a:lnSpc>
+                        <a:spcBef>
+                          <a:spcPts val="0"/>
+                        </a:spcBef>
+                        <a:spcAft>
+                          <a:spcPts val="0"/>
+                        </a:spcAft>
+                        <a:buClrTx/>
+                        <a:buSzTx/>
+                        <a:buFontTx/>
+                        <a:buNone/>
+                        <a:tabLst/>
+                        <a:defRPr/>
+                      </a:pPr>
+                      <a:r>
+                        <a:rPr lang="en-US" sz="1400" dirty="0" smtClean="0"/>
+                        <a:t>Objective-C is more like C/C++</a:t>
+                      </a:r>
+                      <a:r>
+                        <a:rPr lang="en-US" sz="1400" baseline="0" dirty="0" smtClean="0"/>
+                        <a:t>. Every time the code is changed it requires recompilation in order to execute/test.</a:t>
+                      </a:r>
+                      <a:endParaRPr lang="en-US" sz="1400" dirty="0" smtClean="0"/>
+                    </a:p>
+                    <a:p>
+                      <a:endParaRPr lang="en-US" sz="1400" dirty="0"/>
                     </a:p>
                   </a:txBody>
                   <a:tcPr/>
@@ -7601,7 +7884,27 @@
                     <a:bodyPr/>
                     <a:lstStyle/>
                     <a:p>
-                      <a:endParaRPr lang="en-US" sz="1400"/>
+                      <a:r>
+                        <a:rPr lang="en-US" sz="1400" dirty="0" smtClean="0"/>
+                        <a:t>Swift</a:t>
+                      </a:r>
+                      <a:r>
+                        <a:rPr lang="en-US" sz="1400" baseline="0" dirty="0" smtClean="0"/>
+                        <a:t> adds a new feature called “Playground” to enhance developer productivity and integrated into language implementation. Using this feature code written is compiled and executed in real-time providing faster prototyping of algorithms and individual pieces of software.</a:t>
+                      </a:r>
+                    </a:p>
+                    <a:p>
+                      <a:endParaRPr lang="en-US" sz="1400" baseline="0" dirty="0" smtClean="0"/>
+                    </a:p>
+                    <a:p>
+                      <a:r>
+                        <a:rPr lang="en-US" sz="1400" baseline="0" dirty="0" smtClean="0"/>
+                        <a:t>E.g. https://swiftlang.ng.bluemix.net/ </a:t>
+                      </a:r>
+                      <a:endParaRPr lang="en-US" sz="1400" dirty="0" smtClean="0"/>
+                    </a:p>
+                    <a:p>
+                      <a:endParaRPr lang="en-US" sz="1400" dirty="0"/>
                     </a:p>
                   </a:txBody>
                   <a:tcPr/>
@@ -7613,7 +7916,11 @@
                     <a:bodyPr/>
                     <a:lstStyle/>
                     <a:p>
-                      <a:endParaRPr lang="en-US" sz="1400"/>
+                      <a:r>
+                        <a:rPr lang="en-US" sz="1400" dirty="0" smtClean="0"/>
+                        <a:t>Variable names</a:t>
+                      </a:r>
+                      <a:endParaRPr lang="en-US" sz="1400" dirty="0"/>
                     </a:p>
                   </a:txBody>
                   <a:tcPr/>
@@ -7623,7 +7930,19 @@
                     <a:bodyPr/>
                     <a:lstStyle/>
                     <a:p>
-                      <a:endParaRPr lang="en-US" sz="1400"/>
+                      <a:r>
+                        <a:rPr lang="en-US" sz="1400" dirty="0" smtClean="0"/>
+                        <a:t>Need to be in </a:t>
+                      </a:r>
+                      <a:r>
+                        <a:rPr lang="en-US" sz="1400" dirty="0" err="1" smtClean="0"/>
+                        <a:t>Ascii</a:t>
+                      </a:r>
+                      <a:r>
+                        <a:rPr lang="en-US" sz="1400" baseline="0" dirty="0" smtClean="0"/>
+                        <a:t> as in C</a:t>
+                      </a:r>
+                      <a:endParaRPr lang="en-US" sz="1400" dirty="0"/>
                     </a:p>
                   </a:txBody>
                   <a:tcPr/>
@@ -7633,38 +7952,18 @@
                     <a:bodyPr/>
                     <a:lstStyle/>
                     <a:p>
-                      <a:endParaRPr lang="en-US" sz="1400"/>
-                    </a:p>
-                  </a:txBody>
-                  <a:tcPr/>
-                </a:tc>
-              </a:tr>
-              <a:tr h="370840">
-                <a:tc>
-                  <a:txBody>
-                    <a:bodyPr/>
-                    <a:lstStyle/>
-                    <a:p>
-                      <a:endParaRPr lang="en-US" sz="1400"/>
-                    </a:p>
-                  </a:txBody>
-                  <a:tcPr/>
-                </a:tc>
-                <a:tc>
-                  <a:txBody>
-                    <a:bodyPr/>
-                    <a:lstStyle/>
-                    <a:p>
-                      <a:endParaRPr lang="en-US" sz="1400"/>
-                    </a:p>
-                  </a:txBody>
-                  <a:tcPr/>
-                </a:tc>
-                <a:tc>
-                  <a:txBody>
-                    <a:bodyPr/>
-                    <a:lstStyle/>
-                    <a:p>
+                      <a:r>
+                        <a:rPr lang="en-US" sz="1400" dirty="0" smtClean="0"/>
+                        <a:t>Swift files can</a:t>
+                      </a:r>
+                      <a:r>
+                        <a:rPr lang="en-US" sz="1400" baseline="0" dirty="0" smtClean="0"/>
+                        <a:t> be written in Unicode and Unicode characters can be used to name variables, this </a:t>
+                      </a:r>
+                      <a:r>
+                        <a:rPr lang="en-US" sz="1400" baseline="0" smtClean="0"/>
+                        <a:t>improves internationalization.</a:t>
+                      </a:r>
                       <a:endParaRPr lang="en-US" sz="1400" dirty="0"/>
                     </a:p>
                   </a:txBody>

--- a/SwiftPresentation.pptx
+++ b/SwiftPresentation.pptx
@@ -7958,11 +7958,7 @@
                       </a:r>
                       <a:r>
                         <a:rPr lang="en-US" sz="1400" baseline="0" dirty="0" smtClean="0"/>
-                        <a:t> be written in Unicode and Unicode characters can be used to name variables, this </a:t>
-                      </a:r>
-                      <a:r>
-                        <a:rPr lang="en-US" sz="1400" baseline="0" smtClean="0"/>
-                        <a:t>improves internationalization.</a:t>
+                        <a:t> be written in Unicode and Unicode characters can be used to name variables, this improves internationalization.</a:t>
                       </a:r>
                       <a:endParaRPr lang="en-US" sz="1400" dirty="0"/>
                     </a:p>

--- a/SwiftPresentation.pptx
+++ b/SwiftPresentation.pptx
@@ -303,7 +303,7 @@
           <a:p>
             <a:fld id="{CC241D09-4908-4604-AF42-535A9CB53542}" type="datetimeFigureOut">
               <a:rPr lang="en-US" smtClean="0"/>
-              <a:t>4/3/2016</a:t>
+              <a:t>4/5/2016</a:t>
             </a:fld>
             <a:endParaRPr lang="en-US"/>
           </a:p>
@@ -578,7 +578,7 @@
           <a:p>
             <a:fld id="{CC241D09-4908-4604-AF42-535A9CB53542}" type="datetimeFigureOut">
               <a:rPr lang="en-US" smtClean="0"/>
-              <a:t>4/3/2016</a:t>
+              <a:t>4/5/2016</a:t>
             </a:fld>
             <a:endParaRPr lang="en-US"/>
           </a:p>
@@ -772,7 +772,7 @@
           <a:p>
             <a:fld id="{CC241D09-4908-4604-AF42-535A9CB53542}" type="datetimeFigureOut">
               <a:rPr lang="en-US" smtClean="0"/>
-              <a:t>4/3/2016</a:t>
+              <a:t>4/5/2016</a:t>
             </a:fld>
             <a:endParaRPr lang="en-US"/>
           </a:p>
@@ -1045,7 +1045,7 @@
           <a:p>
             <a:fld id="{CC241D09-4908-4604-AF42-535A9CB53542}" type="datetimeFigureOut">
               <a:rPr lang="en-US" smtClean="0"/>
-              <a:t>4/3/2016</a:t>
+              <a:t>4/5/2016</a:t>
             </a:fld>
             <a:endParaRPr lang="en-US"/>
           </a:p>
@@ -1386,7 +1386,7 @@
           <a:p>
             <a:fld id="{CC241D09-4908-4604-AF42-535A9CB53542}" type="datetimeFigureOut">
               <a:rPr lang="en-US" smtClean="0"/>
-              <a:t>4/3/2016</a:t>
+              <a:t>4/5/2016</a:t>
             </a:fld>
             <a:endParaRPr lang="en-US"/>
           </a:p>
@@ -2009,7 +2009,7 @@
           <a:p>
             <a:fld id="{CC241D09-4908-4604-AF42-535A9CB53542}" type="datetimeFigureOut">
               <a:rPr lang="en-US" smtClean="0"/>
-              <a:t>4/3/2016</a:t>
+              <a:t>4/5/2016</a:t>
             </a:fld>
             <a:endParaRPr lang="en-US"/>
           </a:p>
@@ -2869,7 +2869,7 @@
           <a:p>
             <a:fld id="{CC241D09-4908-4604-AF42-535A9CB53542}" type="datetimeFigureOut">
               <a:rPr lang="en-US" smtClean="0"/>
-              <a:t>4/3/2016</a:t>
+              <a:t>4/5/2016</a:t>
             </a:fld>
             <a:endParaRPr lang="en-US"/>
           </a:p>
@@ -3039,7 +3039,7 @@
           <a:p>
             <a:fld id="{CC241D09-4908-4604-AF42-535A9CB53542}" type="datetimeFigureOut">
               <a:rPr lang="en-US" smtClean="0"/>
-              <a:t>4/3/2016</a:t>
+              <a:t>4/5/2016</a:t>
             </a:fld>
             <a:endParaRPr lang="en-US"/>
           </a:p>
@@ -3219,7 +3219,7 @@
           <a:p>
             <a:fld id="{CC241D09-4908-4604-AF42-535A9CB53542}" type="datetimeFigureOut">
               <a:rPr lang="en-US" smtClean="0"/>
-              <a:t>4/3/2016</a:t>
+              <a:t>4/5/2016</a:t>
             </a:fld>
             <a:endParaRPr lang="en-US"/>
           </a:p>
@@ -3389,7 +3389,7 @@
           <a:p>
             <a:fld id="{CC241D09-4908-4604-AF42-535A9CB53542}" type="datetimeFigureOut">
               <a:rPr lang="en-US" smtClean="0"/>
-              <a:t>4/3/2016</a:t>
+              <a:t>4/5/2016</a:t>
             </a:fld>
             <a:endParaRPr lang="en-US"/>
           </a:p>
@@ -3636,7 +3636,7 @@
           <a:p>
             <a:fld id="{CC241D09-4908-4604-AF42-535A9CB53542}" type="datetimeFigureOut">
               <a:rPr lang="en-US" smtClean="0"/>
-              <a:t>4/3/2016</a:t>
+              <a:t>4/5/2016</a:t>
             </a:fld>
             <a:endParaRPr lang="en-US"/>
           </a:p>
@@ -3928,7 +3928,7 @@
           <a:p>
             <a:fld id="{CC241D09-4908-4604-AF42-535A9CB53542}" type="datetimeFigureOut">
               <a:rPr lang="en-US" smtClean="0"/>
-              <a:t>4/3/2016</a:t>
+              <a:t>4/5/2016</a:t>
             </a:fld>
             <a:endParaRPr lang="en-US"/>
           </a:p>
@@ -4372,7 +4372,7 @@
           <a:p>
             <a:fld id="{CC241D09-4908-4604-AF42-535A9CB53542}" type="datetimeFigureOut">
               <a:rPr lang="en-US" smtClean="0"/>
-              <a:t>4/3/2016</a:t>
+              <a:t>4/5/2016</a:t>
             </a:fld>
             <a:endParaRPr lang="en-US"/>
           </a:p>
@@ -4490,7 +4490,7 @@
           <a:p>
             <a:fld id="{CC241D09-4908-4604-AF42-535A9CB53542}" type="datetimeFigureOut">
               <a:rPr lang="en-US" smtClean="0"/>
-              <a:t>4/3/2016</a:t>
+              <a:t>4/5/2016</a:t>
             </a:fld>
             <a:endParaRPr lang="en-US"/>
           </a:p>
@@ -4585,7 +4585,7 @@
           <a:p>
             <a:fld id="{CC241D09-4908-4604-AF42-535A9CB53542}" type="datetimeFigureOut">
               <a:rPr lang="en-US" smtClean="0"/>
-              <a:t>4/3/2016</a:t>
+              <a:t>4/5/2016</a:t>
             </a:fld>
             <a:endParaRPr lang="en-US"/>
           </a:p>
@@ -4864,7 +4864,7 @@
           <a:p>
             <a:fld id="{CC241D09-4908-4604-AF42-535A9CB53542}" type="datetimeFigureOut">
               <a:rPr lang="en-US" smtClean="0"/>
-              <a:t>4/3/2016</a:t>
+              <a:t>4/5/2016</a:t>
             </a:fld>
             <a:endParaRPr lang="en-US"/>
           </a:p>
@@ -5139,7 +5139,7 @@
           <a:p>
             <a:fld id="{CC241D09-4908-4604-AF42-535A9CB53542}" type="datetimeFigureOut">
               <a:rPr lang="en-US" smtClean="0"/>
-              <a:t>4/3/2016</a:t>
+              <a:t>4/5/2016</a:t>
             </a:fld>
             <a:endParaRPr lang="en-US"/>
           </a:p>
@@ -5568,7 +5568,7 @@
           <a:p>
             <a:fld id="{CC241D09-4908-4604-AF42-535A9CB53542}" type="datetimeFigureOut">
               <a:rPr lang="en-US" smtClean="0"/>
-              <a:t>4/3/2016</a:t>
+              <a:t>4/5/2016</a:t>
             </a:fld>
             <a:endParaRPr lang="en-US"/>
           </a:p>
@@ -6234,15 +6234,7 @@
             <a:pPr lvl="2"/>
             <a:r>
               <a:rPr lang="en-US" dirty="0" smtClean="0"/>
-              <a:t>Pure Functions ( </a:t>
-            </a:r>
-            <a:r>
-              <a:rPr lang="en-US" dirty="0" smtClean="0"/>
-              <a:t>No Side </a:t>
-            </a:r>
-            <a:r>
-              <a:rPr lang="en-US" dirty="0" smtClean="0"/>
-              <a:t>Effects )</a:t>
+              <a:t>Pure Functions ( No Side Effects )</a:t>
             </a:r>
           </a:p>
           <a:p>
@@ -6789,163 +6781,220 @@
         </p:nvSpPr>
         <p:spPr>
           <a:xfrm>
-            <a:off x="781050" y="1314450"/>
-            <a:ext cx="9268803" cy="4933949"/>
+            <a:off x="782031" y="1158653"/>
+            <a:ext cx="10009614" cy="5431928"/>
           </a:xfrm>
         </p:spPr>
         <p:txBody>
           <a:bodyPr>
-            <a:normAutofit lnSpcReduction="10000"/>
+            <a:normAutofit fontScale="77500" lnSpcReduction="20000"/>
           </a:bodyPr>
           <a:lstStyle/>
           <a:p>
             <a:pPr lvl="1"/>
             <a:r>
-              <a:rPr lang="en-US" sz="1600" dirty="0" smtClean="0"/>
-              <a:t>One language to work across all Apple platforms and interoperable with all Apple frameworks. And Swift is free, its open-source with strong back-up from Apple.   Apple provides complete toolchain </a:t>
-            </a:r>
-            <a:r>
-              <a:rPr lang="en-US" sz="1600" dirty="0" smtClean="0"/>
-              <a:t>with IDE for free.</a:t>
-            </a:r>
-            <a:r>
-              <a:rPr lang="en-US" sz="1600" dirty="0" smtClean="0"/>
+              <a:rPr lang="en-US" dirty="0" smtClean="0"/>
+              <a:t>One language to work across all Apple platforms and interoperable with all Apple frameworks. And Swift is free, its open-source with strong back-up from Apple.   Apple provides complete toolchain with IDE for free. </a:t>
+            </a:r>
+          </a:p>
+          <a:p>
+            <a:pPr lvl="1"/>
+            <a:r>
+              <a:rPr lang="en-US" dirty="0" smtClean="0"/>
+              <a:t>Easier to learn, teach and develop</a:t>
+            </a:r>
+          </a:p>
+          <a:p>
+            <a:pPr lvl="2"/>
+            <a:r>
+              <a:rPr lang="en-US" sz="1800" dirty="0" smtClean="0"/>
+              <a:t>One of the main design objective of Swift was to remove the complexity.</a:t>
+            </a:r>
+          </a:p>
+          <a:p>
+            <a:pPr lvl="2"/>
+            <a:r>
+              <a:rPr lang="en-US" sz="1800" dirty="0" smtClean="0"/>
+              <a:t>Picked the main features used by the most popular languages.</a:t>
+            </a:r>
+          </a:p>
+          <a:p>
+            <a:pPr lvl="1"/>
+            <a:r>
+              <a:rPr lang="en-US" dirty="0" smtClean="0"/>
+              <a:t>Inspired by and includes lots of good features from other popular languages, some interesting Swift features are mentioned below</a:t>
+            </a:r>
+          </a:p>
+          <a:p>
+            <a:pPr lvl="2"/>
+            <a:r>
+              <a:rPr lang="en-US" sz="1800" dirty="0" smtClean="0"/>
+              <a:t>Generics – Like templates in C++, Java</a:t>
+            </a:r>
+          </a:p>
+          <a:p>
+            <a:pPr lvl="3"/>
+            <a:r>
+              <a:rPr lang="en-US" sz="1800" dirty="0" smtClean="0"/>
+              <a:t>E.g. - </a:t>
+            </a:r>
+            <a:r>
+              <a:rPr lang="fr-FR" sz="1800" dirty="0" err="1"/>
+              <a:t>func</a:t>
+            </a:r>
+            <a:r>
+              <a:rPr lang="fr-FR" sz="1800" dirty="0"/>
               <a:t> </a:t>
             </a:r>
-          </a:p>
-          <a:p>
-            <a:pPr lvl="1"/>
-            <a:r>
-              <a:rPr lang="en-US" sz="1600" dirty="0" smtClean="0"/>
-              <a:t>Easier to learn, teach and develop</a:t>
-            </a:r>
+            <a:r>
+              <a:rPr lang="fr-FR" sz="1800" dirty="0" err="1"/>
+              <a:t>swapTwoValues</a:t>
+            </a:r>
+            <a:r>
+              <a:rPr lang="fr-FR" sz="1800" dirty="0"/>
+              <a:t>&lt;T&gt;(</a:t>
+            </a:r>
+            <a:r>
+              <a:rPr lang="fr-FR" sz="1800" dirty="0" err="1"/>
+              <a:t>inout</a:t>
+            </a:r>
+            <a:r>
+              <a:rPr lang="fr-FR" sz="1800" dirty="0"/>
+              <a:t> a: T, </a:t>
+            </a:r>
+            <a:r>
+              <a:rPr lang="fr-FR" sz="1800" dirty="0" err="1"/>
+              <a:t>inout</a:t>
+            </a:r>
+            <a:r>
+              <a:rPr lang="fr-FR" sz="1800" dirty="0"/>
+              <a:t> _ b: T)</a:t>
+            </a:r>
+            <a:endParaRPr lang="en-US" sz="1800" dirty="0" smtClean="0"/>
           </a:p>
           <a:p>
             <a:pPr lvl="2"/>
             <a:r>
-              <a:rPr lang="en-US" sz="1400" dirty="0" smtClean="0"/>
-              <a:t>One of the main design objective of Swift </a:t>
-            </a:r>
-            <a:r>
-              <a:rPr lang="en-US" sz="1400" dirty="0" smtClean="0"/>
-              <a:t>was </a:t>
-            </a:r>
-            <a:r>
-              <a:rPr lang="en-US" sz="1400" dirty="0" smtClean="0"/>
-              <a:t>to remove the complexity.</a:t>
+              <a:rPr lang="en-US" sz="1800" dirty="0" smtClean="0"/>
+              <a:t>New data types( E.g. Dictionaries ) and Inferred Data types.</a:t>
             </a:r>
           </a:p>
           <a:p>
             <a:pPr lvl="2"/>
             <a:r>
-              <a:rPr lang="en-US" sz="1400" dirty="0" smtClean="0"/>
-              <a:t>Picked the main features used by the most popular languages.</a:t>
-            </a:r>
+              <a:rPr lang="en-US" sz="1800" dirty="0" smtClean="0"/>
+              <a:t>Protocols – Interfaces in Java</a:t>
+            </a:r>
+          </a:p>
+          <a:p>
+            <a:pPr lvl="2"/>
+            <a:r>
+              <a:rPr lang="en-US" sz="1800" dirty="0" smtClean="0"/>
+              <a:t>Closures – Like JavaScript</a:t>
+            </a:r>
+          </a:p>
+          <a:p>
+            <a:pPr lvl="2"/>
+            <a:r>
+              <a:rPr lang="en-US" sz="1800" dirty="0" smtClean="0"/>
+              <a:t>Anonymous functions – Like in C#/JavaScript</a:t>
+            </a:r>
+          </a:p>
+          <a:p>
+            <a:pPr lvl="2"/>
+            <a:r>
+              <a:rPr lang="en-US" sz="1800" dirty="0"/>
+              <a:t>Optional semicolon </a:t>
+            </a:r>
+            <a:r>
+              <a:rPr lang="en-US" sz="1800" dirty="0" smtClean="0"/>
+              <a:t>for easy code writing</a:t>
+            </a:r>
+          </a:p>
+          <a:p>
+            <a:pPr lvl="2"/>
+            <a:r>
+              <a:rPr lang="en-US" sz="1800" dirty="0" smtClean="0"/>
+              <a:t>Advance Memory Management(ARC) and Error handling(throw, catch</a:t>
+            </a:r>
+            <a:r>
+              <a:rPr lang="en-US" sz="1800" dirty="0" smtClean="0"/>
+              <a:t>)</a:t>
+            </a:r>
+          </a:p>
+          <a:p>
+            <a:pPr lvl="2"/>
+            <a:r>
+              <a:rPr lang="en-US" sz="1800" dirty="0" smtClean="0"/>
+              <a:t>Provides comprehensive File and Socket I/O through Foundation library.</a:t>
+            </a:r>
+          </a:p>
+          <a:p>
+            <a:pPr lvl="3"/>
+            <a:r>
+              <a:rPr lang="en-US" sz="1800" dirty="0" smtClean="0"/>
+              <a:t>File I/O classes: </a:t>
+            </a:r>
+            <a:r>
+              <a:rPr lang="en-US" sz="1800" dirty="0" err="1" smtClean="0"/>
+              <a:t>NSFileManager</a:t>
+            </a:r>
+            <a:r>
+              <a:rPr lang="en-US" sz="1800" dirty="0"/>
+              <a:t>, </a:t>
+            </a:r>
+            <a:r>
+              <a:rPr lang="en-US" sz="1800" dirty="0" err="1" smtClean="0"/>
+              <a:t>NSFileHandle</a:t>
+            </a:r>
+            <a:r>
+              <a:rPr lang="en-US" sz="1800" dirty="0" smtClean="0"/>
+              <a:t>, </a:t>
+            </a:r>
+            <a:r>
+              <a:rPr lang="en-US" sz="1800" dirty="0" err="1" smtClean="0"/>
+              <a:t>NSData</a:t>
+            </a:r>
+            <a:r>
+              <a:rPr lang="en-US" sz="1800" dirty="0" smtClean="0"/>
+              <a:t>, </a:t>
+            </a:r>
+            <a:r>
+              <a:rPr lang="en-US" sz="1800" dirty="0" err="1" smtClean="0"/>
+              <a:t>NSOutputStream</a:t>
+            </a:r>
+            <a:r>
+              <a:rPr lang="en-US" sz="1800" dirty="0" smtClean="0"/>
+              <a:t>, </a:t>
+            </a:r>
+            <a:r>
+              <a:rPr lang="en-US" sz="1800" dirty="0" err="1" smtClean="0"/>
+              <a:t>NSInputStream</a:t>
+            </a:r>
+            <a:r>
+              <a:rPr lang="en-US" sz="1800" dirty="0" smtClean="0"/>
+              <a:t> etc.</a:t>
+            </a:r>
+          </a:p>
+          <a:p>
+            <a:pPr lvl="3"/>
+            <a:r>
+              <a:rPr lang="en-US" sz="1800" dirty="0" smtClean="0"/>
+              <a:t>Socket I/O classes: </a:t>
+            </a:r>
+            <a:r>
+              <a:rPr lang="en-US" sz="1800" dirty="0" smtClean="0"/>
+              <a:t>Socket.IO</a:t>
+            </a:r>
+            <a:r>
+              <a:rPr lang="en-US" sz="1800" dirty="0"/>
+              <a:t> library</a:t>
+            </a:r>
+            <a:endParaRPr lang="en-US" sz="1800" dirty="0" smtClean="0"/>
+          </a:p>
+          <a:p>
+            <a:pPr lvl="2"/>
             <a:endParaRPr lang="en-US" sz="1400" dirty="0" smtClean="0"/>
-          </a:p>
-          <a:p>
-            <a:pPr lvl="1"/>
-            <a:r>
-              <a:rPr lang="en-US" sz="1600" dirty="0" smtClean="0"/>
-              <a:t>Inspired by and includes </a:t>
-            </a:r>
-            <a:r>
-              <a:rPr lang="en-US" sz="1600" dirty="0" smtClean="0"/>
-              <a:t>lots of good features from other popular languages, some interesting Swift features are mentioned below</a:t>
-            </a:r>
-          </a:p>
-          <a:p>
-            <a:pPr lvl="2"/>
-            <a:r>
-              <a:rPr lang="en-US" sz="1400" dirty="0" smtClean="0"/>
-              <a:t>Generics – Like templates in C++, Java</a:t>
-            </a:r>
-          </a:p>
-          <a:p>
-            <a:pPr lvl="3"/>
-            <a:r>
-              <a:rPr lang="en-US" sz="1200" dirty="0" smtClean="0"/>
-              <a:t>E.g. - </a:t>
-            </a:r>
-            <a:r>
-              <a:rPr lang="fr-FR" sz="1200" dirty="0" err="1"/>
-              <a:t>func</a:t>
-            </a:r>
-            <a:r>
-              <a:rPr lang="fr-FR" sz="1200" dirty="0"/>
-              <a:t> </a:t>
-            </a:r>
-            <a:r>
-              <a:rPr lang="fr-FR" sz="1200" dirty="0" err="1"/>
-              <a:t>swapTwoValues</a:t>
-            </a:r>
-            <a:r>
-              <a:rPr lang="fr-FR" sz="1200" dirty="0"/>
-              <a:t>&lt;T&gt;(</a:t>
-            </a:r>
-            <a:r>
-              <a:rPr lang="fr-FR" sz="1200" dirty="0" err="1"/>
-              <a:t>inout</a:t>
-            </a:r>
-            <a:r>
-              <a:rPr lang="fr-FR" sz="1200" dirty="0"/>
-              <a:t> a: T, </a:t>
-            </a:r>
-            <a:r>
-              <a:rPr lang="fr-FR" sz="1200" dirty="0" err="1"/>
-              <a:t>inout</a:t>
-            </a:r>
-            <a:r>
-              <a:rPr lang="fr-FR" sz="1200" dirty="0"/>
-              <a:t> _ b: T)</a:t>
-            </a:r>
-            <a:endParaRPr lang="en-US" sz="1200" dirty="0" smtClean="0"/>
-          </a:p>
-          <a:p>
-            <a:pPr lvl="2"/>
-            <a:r>
-              <a:rPr lang="en-US" sz="1400" dirty="0" smtClean="0"/>
-              <a:t>New data types( E.g. Dictionaries ) and Inferred Data types.</a:t>
-            </a:r>
-          </a:p>
-          <a:p>
-            <a:pPr lvl="2"/>
-            <a:r>
-              <a:rPr lang="en-US" sz="1400" dirty="0" smtClean="0"/>
-              <a:t>Protocols – Interfaces in Java</a:t>
-            </a:r>
-          </a:p>
-          <a:p>
-            <a:pPr lvl="2"/>
-            <a:r>
-              <a:rPr lang="en-US" sz="1400" dirty="0" smtClean="0"/>
-              <a:t>Closures – Like JavaScript</a:t>
-            </a:r>
-          </a:p>
-          <a:p>
-            <a:pPr lvl="2"/>
-            <a:r>
-              <a:rPr lang="en-US" sz="1400" dirty="0" smtClean="0"/>
-              <a:t>Anonymous functions – Like in C#/JavaScript</a:t>
-            </a:r>
-          </a:p>
-          <a:p>
-            <a:pPr lvl="2"/>
-            <a:r>
-              <a:rPr lang="en-US" sz="1400" dirty="0"/>
-              <a:t>Optional semicolon </a:t>
-            </a:r>
-            <a:r>
-              <a:rPr lang="en-US" sz="1400" dirty="0" smtClean="0"/>
-              <a:t>for easy code writing</a:t>
-            </a:r>
-          </a:p>
-          <a:p>
-            <a:pPr lvl="2"/>
-            <a:r>
-              <a:rPr lang="en-US" sz="1400" dirty="0" smtClean="0"/>
-              <a:t>Advance Memory Management(ARC) and Error handling(throw, catch)</a:t>
-            </a:r>
           </a:p>
           <a:p>
             <a:pPr lvl="2"/>
@@ -7028,11 +7077,7 @@
           <a:p>
             <a:r>
               <a:rPr lang="en-US" dirty="0" smtClean="0"/>
-              <a:t>Swift vs. </a:t>
-            </a:r>
-            <a:r>
-              <a:rPr lang="en-US" dirty="0" smtClean="0"/>
-              <a:t>Objective-C</a:t>
+              <a:t>Swift vs. Objective-C</a:t>
             </a:r>
             <a:endParaRPr lang="en-US" dirty="0"/>
           </a:p>

--- a/SwiftPresentation.pptx
+++ b/SwiftPresentation.pptx
@@ -6926,7 +6926,7 @@
             <a:pPr lvl="2"/>
             <a:r>
               <a:rPr lang="en-US" sz="1800" dirty="0" smtClean="0"/>
-              <a:t>Provides comprehensive File and Socket I/O through Foundation library.</a:t>
+              <a:t>Provides comprehensive File and Socket I/O through predefined set of classes/APIs.</a:t>
             </a:r>
           </a:p>
           <a:p>
@@ -6973,8 +6973,25 @@
             </a:r>
             <a:r>
               <a:rPr lang="en-US" sz="1800" dirty="0" smtClean="0"/>
-              <a:t> etc.</a:t>
-            </a:r>
+              <a:t> </a:t>
+            </a:r>
+            <a:r>
+              <a:rPr lang="en-US" sz="1800" dirty="0" err="1" smtClean="0"/>
+              <a:t>etc</a:t>
+            </a:r>
+            <a:r>
+              <a:rPr lang="en-US" sz="1800" dirty="0"/>
+              <a:t> </a:t>
+            </a:r>
+            <a:r>
+              <a:rPr lang="en-US" sz="1800" dirty="0" smtClean="0"/>
+              <a:t>from </a:t>
+            </a:r>
+            <a:r>
+              <a:rPr lang="en-US" sz="1800" smtClean="0"/>
+              <a:t>Foundation library.</a:t>
+            </a:r>
+            <a:endParaRPr lang="en-US" sz="1800" dirty="0" smtClean="0"/>
           </a:p>
           <a:p>
             <a:pPr lvl="3"/>
